--- a/Lab2/DesignReview_Final_Mingjie_Chengming.pptx
+++ b/Lab2/DesignReview_Final_Mingjie_Chengming.pptx
@@ -196,6 +196,35 @@
 </p:presentation>
 </file>
 
+<file path=ppt/changesInfos/changesInfo1.xml><?xml version="1.0" encoding="utf-8"?>
+<pc:chgInfo xmlns:a="http://schemas.openxmlformats.org/drawingml/2006/main" xmlns:r="http://schemas.openxmlformats.org/officeDocument/2006/relationships" xmlns:ac="http://schemas.microsoft.com/office/drawing/2013/main/command" xmlns:pc="http://schemas.microsoft.com/office/powerpoint/2013/main/command">
+  <pc:docChgLst>
+    <pc:chgData name="Chengming Li" userId="fe40599d2c97df8f" providerId="LiveId" clId="{5CEF43E9-5B1C-4B64-9419-14049BF919A8}"/>
+    <pc:docChg chg="modSld">
+      <pc:chgData name="Chengming Li" userId="fe40599d2c97df8f" providerId="LiveId" clId="{5CEF43E9-5B1C-4B64-9419-14049BF919A8}" dt="2024-12-03T09:23:40.884" v="22" actId="20577"/>
+      <pc:docMkLst>
+        <pc:docMk/>
+      </pc:docMkLst>
+      <pc:sldChg chg="modSp mod">
+        <pc:chgData name="Chengming Li" userId="fe40599d2c97df8f" providerId="LiveId" clId="{5CEF43E9-5B1C-4B64-9419-14049BF919A8}" dt="2024-12-03T09:23:40.884" v="22" actId="20577"/>
+        <pc:sldMkLst>
+          <pc:docMk/>
+          <pc:sldMk cId="85961475" sldId="596"/>
+        </pc:sldMkLst>
+        <pc:graphicFrameChg chg="modGraphic">
+          <ac:chgData name="Chengming Li" userId="fe40599d2c97df8f" providerId="LiveId" clId="{5CEF43E9-5B1C-4B64-9419-14049BF919A8}" dt="2024-12-03T09:23:40.884" v="22" actId="20577"/>
+          <ac:graphicFrameMkLst>
+            <pc:docMk/>
+            <pc:sldMk cId="85961475" sldId="596"/>
+            <ac:graphicFrameMk id="7" creationId="{5894651F-3FEB-F33F-0E89-E40021F7C398}"/>
+          </ac:graphicFrameMkLst>
+        </pc:graphicFrameChg>
+      </pc:sldChg>
+    </pc:docChg>
+  </pc:docChgLst>
+</pc:chgInfo>
+</file>
+
 <file path=ppt/handoutMasters/handoutMaster1.xml><?xml version="1.0" encoding="utf-8"?>
 <p:handoutMaster xmlns:a="http://schemas.openxmlformats.org/drawingml/2006/main" xmlns:r="http://schemas.openxmlformats.org/officeDocument/2006/relationships" xmlns:p="http://schemas.openxmlformats.org/presentationml/2006/main">
   <p:cSld>
@@ -409,7 +438,7 @@
           <a:p>
             <a:fld id="{43E9438B-B1C6-8B4B-9BED-10A3CE67B9E3}" type="datetimeFigureOut">
               <a:rPr lang="en-US" smtClean="0"/>
-              <a:t>4/29/2024</a:t>
+              <a:t>12/3/2024</a:t>
             </a:fld>
             <a:endParaRPr lang="en-US" dirty="0"/>
           </a:p>
@@ -8794,7 +8823,7 @@
           <p:nvPr>
             <p:extLst>
               <p:ext uri="{D42A27DB-BD31-4B8C-83A1-F6EECF244321}">
-                <p14:modId xmlns:p14="http://schemas.microsoft.com/office/powerpoint/2010/main" val="2946162911"/>
+                <p14:modId xmlns:p14="http://schemas.microsoft.com/office/powerpoint/2010/main" val="3761516532"/>
               </p:ext>
             </p:extLst>
           </p:nvPr>
@@ -8886,7 +8915,15 @@
                     <a:p>
                       <a:r>
                         <a:rPr lang="en-US" dirty="0"/>
-                        <a:t>FP</a:t>
+                        <a:t>FP(</a:t>
+                      </a:r>
+                      <a:r>
+                        <a:rPr lang="en-US" dirty="0" err="1"/>
+                        <a:t>Hightlight</a:t>
+                      </a:r>
+                      <a:r>
+                        <a:rPr lang="en-US" dirty="0"/>
+                        <a:t>)</a:t>
                       </a:r>
                     </a:p>
                   </a:txBody>
@@ -8929,7 +8966,7 @@
                     <a:p>
                       <a:r>
                         <a:rPr lang="en-US" dirty="0"/>
-                        <a:t>FN</a:t>
+                        <a:t>FN(Highlight)</a:t>
                       </a:r>
                     </a:p>
                   </a:txBody>
@@ -10477,6 +10514,15 @@
 </file>
 
 <file path=customXml/item2.xml><?xml version="1.0" encoding="utf-8"?>
+<?mso-contentType ?>
+<FormTemplates xmlns="http://schemas.microsoft.com/sharepoint/v3/contenttype/forms">
+  <Display>DocumentLibraryForm</Display>
+  <Edit>DocumentLibraryForm</Edit>
+  <New>DocumentLibraryForm</New>
+</FormTemplates>
+</file>
+
+<file path=customXml/item3.xml><?xml version="1.0" encoding="utf-8"?>
 <ct:contentTypeSchema xmlns:ct="http://schemas.microsoft.com/office/2006/metadata/contentType" xmlns:ma="http://schemas.microsoft.com/office/2006/metadata/properties/metaAttributes" ct:_="" ma:_="" ma:contentTypeName="Document" ma:contentTypeID="0x010100BF7F23520614C4448AB108F2D6A45B8B" ma:contentTypeVersion="1" ma:contentTypeDescription="Create a new document." ma:contentTypeScope="" ma:versionID="9650ba5f11c7b85ea59a781796335e27">
   <xsd:schema xmlns:xsd="http://www.w3.org/2001/XMLSchema" xmlns:p="http://schemas.microsoft.com/office/2006/metadata/properties" xmlns:ns1="http://schemas.microsoft.com/sharepoint/v3" targetNamespace="http://schemas.microsoft.com/office/2006/metadata/properties" ma:root="true" ma:fieldsID="ddb0c952b897a810c8a4e377cff6bff8" ns1:_="">
     <xsd:import namespace="http://schemas.microsoft.com/sharepoint/v3"/>
@@ -10542,15 +10588,6 @@
 </ct:contentTypeSchema>
 </file>
 
-<file path=customXml/item3.xml><?xml version="1.0" encoding="utf-8"?>
-<?mso-contentType ?>
-<FormTemplates xmlns="http://schemas.microsoft.com/sharepoint/v3/contenttype/forms">
-  <Display>DocumentLibraryForm</Display>
-  <Edit>DocumentLibraryForm</Edit>
-  <New>DocumentLibraryForm</New>
-</FormTemplates>
-</file>
-
 <file path=customXml/itemProps1.xml><?xml version="1.0" encoding="utf-8"?>
 <ds:datastoreItem xmlns:ds="http://schemas.openxmlformats.org/officeDocument/2006/customXml" ds:itemID="{938C363F-D0A2-4048-B8E9-4524591405C7}">
   <ds:schemaRefs>
@@ -10567,6 +10604,14 @@
 </file>
 
 <file path=customXml/itemProps2.xml><?xml version="1.0" encoding="utf-8"?>
+<ds:datastoreItem xmlns:ds="http://schemas.openxmlformats.org/officeDocument/2006/customXml" ds:itemID="{7AD4A5D1-6C39-4CF2-AD01-FDC869E2B402}">
+  <ds:schemaRefs>
+    <ds:schemaRef ds:uri="http://schemas.microsoft.com/sharepoint/v3/contenttype/forms"/>
+  </ds:schemaRefs>
+</ds:datastoreItem>
+</file>
+
+<file path=customXml/itemProps3.xml><?xml version="1.0" encoding="utf-8"?>
 <ds:datastoreItem xmlns:ds="http://schemas.openxmlformats.org/officeDocument/2006/customXml" ds:itemID="{76A6C8BC-E7F4-4607-8D4F-22ADE6CDF89B}">
   <ds:schemaRefs>
     <ds:schemaRef ds:uri="http://schemas.microsoft.com/office/2006/metadata/contentType"/>
@@ -10581,12 +10626,4 @@
     <ds:schemaRef ds:uri="http://schemas.microsoft.com/office/internal/2005/internalDocumentation"/>
   </ds:schemaRefs>
 </ds:datastoreItem>
-</file>
-
-<file path=customXml/itemProps3.xml><?xml version="1.0" encoding="utf-8"?>
-<ds:datastoreItem xmlns:ds="http://schemas.openxmlformats.org/officeDocument/2006/customXml" ds:itemID="{7AD4A5D1-6C39-4CF2-AD01-FDC869E2B402}">
-  <ds:schemaRefs>
-    <ds:schemaRef ds:uri="http://schemas.microsoft.com/sharepoint/v3/contenttype/forms"/>
-  </ds:schemaRefs>
-</ds:datastoreItem>
 </file>